--- a/P4_ Improving the internal design.pptx
+++ b/P4_ Improving the internal design.pptx
@@ -539,7 +539,7 @@
         </p:nvSpPr>
         <p:spPr>
           <a:xfrm>
-            <a:off x="381000" y="685800"/>
+            <a:off x="381300" y="685800"/>
             <a:ext cx="6096000" cy="3429000"/>
           </a:xfrm>
           <a:custGeom>
@@ -1347,7 +1347,7 @@
         </p:nvSpPr>
         <p:spPr>
           <a:xfrm>
-            <a:off x="381300" y="685800"/>
+            <a:off x="381000" y="685800"/>
             <a:ext cx="6096000" cy="3429000"/>
           </a:xfrm>
           <a:custGeom>
@@ -1852,7 +1852,7 @@
         </p:nvSpPr>
         <p:spPr>
           <a:xfrm>
-            <a:off x="381300" y="685800"/>
+            <a:off x="381000" y="685800"/>
             <a:ext cx="6096000" cy="3429000"/>
           </a:xfrm>
           <a:custGeom>
@@ -1953,7 +1953,7 @@
         </p:nvSpPr>
         <p:spPr>
           <a:xfrm>
-            <a:off x="381300" y="685800"/>
+            <a:off x="381000" y="685800"/>
             <a:ext cx="6096000" cy="3429000"/>
           </a:xfrm>
           <a:custGeom>
@@ -2054,7 +2054,7 @@
         </p:nvSpPr>
         <p:spPr>
           <a:xfrm>
-            <a:off x="381300" y="685800"/>
+            <a:off x="381000" y="685800"/>
             <a:ext cx="6096000" cy="3429000"/>
           </a:xfrm>
           <a:custGeom>
@@ -2155,7 +2155,7 @@
         </p:nvSpPr>
         <p:spPr>
           <a:xfrm>
-            <a:off x="381300" y="685800"/>
+            <a:off x="381000" y="685800"/>
             <a:ext cx="6096000" cy="3429000"/>
           </a:xfrm>
           <a:custGeom>
@@ -14050,26 +14050,9 @@
               <a:buNone/>
             </a:pPr>
             <a:r>
-              <a:rPr lang="en" dirty="0"/>
-              <a:t>P4: Improving the internal </a:t>
+              <a:rPr lang="en" sz="3000"/>
+              <a:t>P4: Improving the internal design - Chad</a:t>
             </a:r>
-            <a:r>
-              <a:rPr lang="en" dirty="0" smtClean="0"/>
-              <a:t>design</a:t>
-            </a:r>
-            <a:r>
-              <a:rPr lang="en-US" dirty="0" smtClean="0"/>
-              <a:t> </a:t>
-            </a:r>
-            <a:r>
-              <a:rPr lang="mr-IN" dirty="0" smtClean="0"/>
-              <a:t>–</a:t>
-            </a:r>
-            <a:r>
-              <a:rPr lang="en-US" dirty="0" smtClean="0"/>
-              <a:t> Chad</a:t>
-            </a:r>
-            <a:endParaRPr lang="en" dirty="0"/>
           </a:p>
         </p:txBody>
       </p:sp>
@@ -15591,8 +15574,20 @@
               <a:buNone/>
             </a:pPr>
             <a:r>
-              <a:rPr lang="en" sz="2400"/>
-              <a:t>Updated sequence diagram 3 - Start &amp; Play Game</a:t>
+              <a:rPr lang="en-US" sz="2400" dirty="0" smtClean="0"/>
+              <a:t> S</a:t>
+            </a:r>
+            <a:r>
+              <a:rPr lang="en" sz="2400" dirty="0" err="1" smtClean="0"/>
+              <a:t>equence</a:t>
+            </a:r>
+            <a:r>
+              <a:rPr lang="en" sz="2400" dirty="0" smtClean="0"/>
+              <a:t> </a:t>
+            </a:r>
+            <a:r>
+              <a:rPr lang="en" sz="2400" dirty="0"/>
+              <a:t>diagram 3 - Start &amp; Play Game</a:t>
             </a:r>
           </a:p>
         </p:txBody>
@@ -16132,7 +16127,7 @@
         </p:nvSpPr>
         <p:spPr>
           <a:xfrm>
-            <a:off x="311725" y="500925"/>
+            <a:off x="311700" y="86475"/>
             <a:ext cx="8520600" cy="623700"/>
           </a:xfrm>
           <a:prstGeom prst="rect">
@@ -16152,13 +16147,14 @@
               <a:buNone/>
             </a:pPr>
             <a:r>
-              <a:rPr lang="en" b="1"/>
-              <a:t>Package Diagram - </a:t>
+              <a:rPr lang="en" b="1" dirty="0"/>
+              <a:t>Package Diagram - logical </a:t>
             </a:r>
             <a:r>
-              <a:rPr lang="en" sz="2400" b="1"/>
-              <a:t>logical architecture of Chad</a:t>
+              <a:rPr lang="en" b="1" dirty="0" smtClean="0"/>
+              <a:t>architecture</a:t>
             </a:r>
+            <a:endParaRPr lang="en" b="1" dirty="0"/>
           </a:p>
           <a:p>
             <a:pPr lvl="0">
@@ -16167,7 +16163,7 @@
               </a:spcBef>
               <a:buNone/>
             </a:pPr>
-            <a:endParaRPr/>
+            <a:endParaRPr dirty="0"/>
           </a:p>
         </p:txBody>
       </p:sp>
@@ -16187,15 +16183,21 @@
         </p:blipFill>
         <p:spPr>
           <a:xfrm>
-            <a:off x="1576950" y="1330175"/>
-            <a:ext cx="5990158" cy="3714075"/>
+            <a:off x="1475325" y="710175"/>
+            <a:ext cx="6282451" cy="4366950"/>
           </a:xfrm>
           <a:prstGeom prst="rect">
             <a:avLst/>
           </a:prstGeom>
           <a:noFill/>
-          <a:ln>
-            <a:noFill/>
+          <a:ln w="9525" cap="flat" cmpd="sng">
+            <a:solidFill>
+              <a:srgbClr val="000000"/>
+            </a:solidFill>
+            <a:prstDash val="solid"/>
+            <a:round/>
+            <a:headEnd type="none" w="med" len="med"/>
+            <a:tailEnd type="none" w="med" len="med"/>
           </a:ln>
         </p:spPr>
       </p:pic>
@@ -16256,9 +16258,22 @@
               <a:buNone/>
             </a:pPr>
             <a:r>
-              <a:rPr lang="en"/>
-              <a:t>Traceability link matrix (1/3)</a:t>
+              <a:rPr lang="en" dirty="0"/>
+              <a:t>Traceability link matrix </a:t>
             </a:r>
+            <a:r>
+              <a:rPr lang="en" dirty="0" smtClean="0"/>
+              <a:t>(</a:t>
+            </a:r>
+            <a:r>
+              <a:rPr lang="en-US" dirty="0" smtClean="0"/>
+              <a:t>Controller</a:t>
+            </a:r>
+            <a:r>
+              <a:rPr lang="en" dirty="0" smtClean="0"/>
+              <a:t>)</a:t>
+            </a:r>
+            <a:endParaRPr lang="en" dirty="0"/>
           </a:p>
         </p:txBody>
       </p:sp>
@@ -16286,7 +16301,9 @@
           </a:prstGeom>
           <a:noFill/>
           <a:ln>
-            <a:noFill/>
+            <a:solidFill>
+              <a:schemeClr val="tx1"/>
+            </a:solidFill>
           </a:ln>
         </p:spPr>
       </p:pic>
@@ -16347,9 +16364,22 @@
               <a:buNone/>
             </a:pPr>
             <a:r>
-              <a:rPr lang="en"/>
-              <a:t>Traceability link matrix (2/3)</a:t>
+              <a:rPr lang="en" dirty="0"/>
+              <a:t>Traceability link matrix </a:t>
             </a:r>
+            <a:r>
+              <a:rPr lang="en" dirty="0" smtClean="0"/>
+              <a:t>(</a:t>
+            </a:r>
+            <a:r>
+              <a:rPr lang="en-US" dirty="0" smtClean="0"/>
+              <a:t>Model</a:t>
+            </a:r>
+            <a:r>
+              <a:rPr lang="en" dirty="0" smtClean="0"/>
+              <a:t>)</a:t>
+            </a:r>
+            <a:endParaRPr lang="en" dirty="0"/>
           </a:p>
         </p:txBody>
       </p:sp>
@@ -16377,7 +16407,9 @@
           </a:prstGeom>
           <a:noFill/>
           <a:ln>
-            <a:noFill/>
+            <a:solidFill>
+              <a:schemeClr val="tx1"/>
+            </a:solidFill>
           </a:ln>
         </p:spPr>
       </p:pic>
@@ -16438,9 +16470,22 @@
               <a:buNone/>
             </a:pPr>
             <a:r>
-              <a:rPr lang="en"/>
-              <a:t>Traceability link matrix (3/3)</a:t>
+              <a:rPr lang="en" dirty="0"/>
+              <a:t>Traceability link matrix </a:t>
             </a:r>
+            <a:r>
+              <a:rPr lang="en" dirty="0" smtClean="0"/>
+              <a:t>(</a:t>
+            </a:r>
+            <a:r>
+              <a:rPr lang="en-US" dirty="0" smtClean="0"/>
+              <a:t>View</a:t>
+            </a:r>
+            <a:r>
+              <a:rPr lang="en" dirty="0" smtClean="0"/>
+              <a:t>)</a:t>
+            </a:r>
+            <a:endParaRPr lang="en" dirty="0"/>
           </a:p>
         </p:txBody>
       </p:sp>
@@ -16468,7 +16513,9 @@
           </a:prstGeom>
           <a:noFill/>
           <a:ln>
-            <a:noFill/>
+            <a:solidFill>
+              <a:schemeClr val="tx1"/>
+            </a:solidFill>
           </a:ln>
         </p:spPr>
       </p:pic>

--- a/P4_ Improving the internal design.pptx
+++ b/P4_ Improving the internal design.pptx
@@ -232,6 +232,11 @@
       </a:defRPr>
     </a:lvl9pPr>
   </p:defaultTextStyle>
+  <p:extLst>
+    <p:ext uri="{EFAFB233-063F-42B5-8137-9DF3F51BA10A}">
+      <p15:sldGuideLst xmlns:p15="http://schemas.microsoft.com/office/powerpoint/2012/main"/>
+    </p:ext>
+  </p:extLst>
 </p:presentation>
 </file>
 
@@ -1246,7 +1251,7 @@
         </p:nvSpPr>
         <p:spPr>
           <a:xfrm>
-            <a:off x="381300" y="685800"/>
+            <a:off x="381000" y="685800"/>
             <a:ext cx="6096000" cy="3429000"/>
           </a:xfrm>
           <a:custGeom>
@@ -15485,13 +15490,19 @@
       </p:pic>
       <p:pic>
         <p:nvPicPr>
-          <p:cNvPr id="307" name="Shape 307"/>
-          <p:cNvPicPr preferRelativeResize="0"/>
+          <p:cNvPr id="2" name="Picture 1"/>
+          <p:cNvPicPr>
+            <a:picLocks noChangeAspect="1"/>
+          </p:cNvPicPr>
           <p:nvPr/>
         </p:nvPicPr>
         <p:blipFill>
           <a:blip r:embed="rId4">
-            <a:alphaModFix/>
+            <a:extLst>
+              <a:ext uri="{28A0092B-C50C-407E-A947-70E740481C1C}">
+                <a14:useLocalDpi xmlns:a14="http://schemas.microsoft.com/office/drawing/2010/main" val="0"/>
+              </a:ext>
+            </a:extLst>
           </a:blip>
           <a:stretch>
             <a:fillRect/>
@@ -15499,21 +15510,16 @@
         </p:blipFill>
         <p:spPr>
           <a:xfrm>
-            <a:off x="4311596" y="1709350"/>
-            <a:ext cx="4650054" cy="3028371"/>
+            <a:off x="4311599" y="1818575"/>
+            <a:ext cx="4703191" cy="2238804"/>
           </a:xfrm>
           <a:prstGeom prst="rect">
             <a:avLst/>
           </a:prstGeom>
-          <a:noFill/>
-          <a:ln w="9525" cap="flat" cmpd="sng">
+          <a:ln>
             <a:solidFill>
-              <a:srgbClr val="000000"/>
+              <a:schemeClr val="tx1"/>
             </a:solidFill>
-            <a:prstDash val="solid"/>
-            <a:round/>
-            <a:headEnd type="none" w="med" len="med"/>
-            <a:tailEnd type="none" w="med" len="med"/>
           </a:ln>
         </p:spPr>
       </p:pic>
@@ -15575,32 +15581,42 @@
             </a:pPr>
             <a:r>
               <a:rPr lang="en-US" sz="2400" dirty="0" smtClean="0"/>
-              <a:t> S</a:t>
+              <a:t> </a:t>
             </a:r>
             <a:r>
-              <a:rPr lang="en" sz="2400" dirty="0" err="1" smtClean="0"/>
-              <a:t>equence</a:t>
+              <a:rPr lang="en-US" sz="2400" dirty="0"/>
+              <a:t> </a:t>
+            </a:r>
+            <a:r>
+              <a:rPr lang="en-US" sz="2400" dirty="0" smtClean="0"/>
+              <a:t>Sequence </a:t>
             </a:r>
             <a:r>
               <a:rPr lang="en" sz="2400" dirty="0" smtClean="0"/>
-              <a:t> </a:t>
+              <a:t>diagram </a:t>
             </a:r>
             <a:r>
               <a:rPr lang="en" sz="2400" dirty="0"/>
-              <a:t>diagram 3 - Start &amp; Play Game</a:t>
+              <a:t>3 - Start &amp; Play Game</a:t>
             </a:r>
           </a:p>
         </p:txBody>
       </p:sp>
       <p:pic>
         <p:nvPicPr>
-          <p:cNvPr id="313" name="Shape 313"/>
-          <p:cNvPicPr preferRelativeResize="0"/>
+          <p:cNvPr id="2" name="Picture 1"/>
+          <p:cNvPicPr>
+            <a:picLocks noChangeAspect="1"/>
+          </p:cNvPicPr>
           <p:nvPr/>
         </p:nvPicPr>
         <p:blipFill>
           <a:blip r:embed="rId3">
-            <a:alphaModFix/>
+            <a:extLst>
+              <a:ext uri="{28A0092B-C50C-407E-A947-70E740481C1C}">
+                <a14:useLocalDpi xmlns:a14="http://schemas.microsoft.com/office/drawing/2010/main" val="0"/>
+              </a:ext>
+            </a:extLst>
           </a:blip>
           <a:stretch>
             <a:fillRect/>
@@ -15608,21 +15624,16 @@
         </p:blipFill>
         <p:spPr>
           <a:xfrm>
-            <a:off x="1333200" y="781725"/>
-            <a:ext cx="6477649" cy="4218601"/>
+            <a:off x="499479" y="930812"/>
+            <a:ext cx="8145092" cy="3877212"/>
           </a:xfrm>
           <a:prstGeom prst="rect">
             <a:avLst/>
           </a:prstGeom>
-          <a:noFill/>
-          <a:ln w="9525" cap="flat" cmpd="sng">
+          <a:ln>
             <a:solidFill>
-              <a:srgbClr val="000000"/>
+              <a:schemeClr val="tx1"/>
             </a:solidFill>
-            <a:prstDash val="solid"/>
-            <a:round/>
-            <a:headEnd type="none" w="med" len="med"/>
-            <a:tailEnd type="none" w="med" len="med"/>
           </a:ln>
         </p:spPr>
       </p:pic>
